--- a/music composition.pptx
+++ b/music composition.pptx
@@ -261,7 +261,7 @@
           <a:p>
             <a:fld id="{1D8BD707-D9CF-40AE-B4C6-C98DA3205C09}" type="datetimeFigureOut">
               <a:rPr lang="en-US"/>
-              <a:t>3/28/2024</a:t>
+              <a:t>5/10/2024</a:t>
             </a:fld>
             <a:endParaRPr lang="en-US"/>
           </a:p>
@@ -441,7 +441,7 @@
           <a:p>
             <a:fld id="{1D8BD707-D9CF-40AE-B4C6-C98DA3205C09}" type="datetimeFigureOut">
               <a:rPr lang="en-US"/>
-              <a:t>3/28/2024</a:t>
+              <a:t>5/10/2024</a:t>
             </a:fld>
             <a:endParaRPr lang="en-US"/>
           </a:p>
@@ -664,7 +664,7 @@
           <a:p>
             <a:fld id="{1D8BD707-D9CF-40AE-B4C6-C98DA3205C09}" type="datetimeFigureOut">
               <a:rPr lang="en-US"/>
-              <a:t>3/28/2024</a:t>
+              <a:t>5/10/2024</a:t>
             </a:fld>
             <a:endParaRPr lang="en-US"/>
           </a:p>
@@ -821,7 +821,7 @@
           <a:p>
             <a:fld id="{1D8BD707-D9CF-40AE-B4C6-C98DA3205C09}" type="datetimeFigureOut">
               <a:rPr lang="en-US"/>
-              <a:t>3/28/2024</a:t>
+              <a:t>5/10/2024</a:t>
             </a:fld>
             <a:endParaRPr lang="en-US"/>
           </a:p>
@@ -949,7 +949,7 @@
           <a:p>
             <a:fld id="{1D8BD707-D9CF-40AE-B4C6-C98DA3205C09}" type="datetimeFigureOut">
               <a:rPr lang="en-US"/>
-              <a:t>3/28/2024</a:t>
+              <a:t>5/10/2024</a:t>
             </a:fld>
             <a:endParaRPr lang="en-US"/>
           </a:p>
@@ -1668,7 +1668,7 @@
           <a:p>
             <a:fld id="{1D8BD707-D9CF-40AE-B4C6-C98DA3205C09}" type="datetimeFigureOut">
               <a:rPr lang="en-US"/>
-              <a:t>3/28/2024</a:t>
+              <a:t>5/10/2024</a:t>
             </a:fld>
             <a:endParaRPr lang="en-US"/>
           </a:p>
@@ -2859,8 +2859,8 @@
         </p:nvSpPr>
         <p:spPr>
           <a:xfrm>
-            <a:off x="755332" y="385444"/>
-            <a:ext cx="2437130" cy="758190"/>
+            <a:off x="304800" y="1287632"/>
+            <a:ext cx="9988868" cy="4999446"/>
           </a:xfrm>
           <a:prstGeom prst="rect">
             <a:avLst/>
@@ -2872,38 +2872,137 @@
           </a:bodyPr>
           <a:lstStyle/>
           <a:p>
-            <a:pPr marL="12700">
-              <a:lnSpc>
-                <a:spcPct val="100000"/>
-              </a:lnSpc>
-              <a:spcBef>
-                <a:spcPts val="105"/>
-              </a:spcBef>
-            </a:pPr>
-            <a:r>
-              <a:rPr dirty="0"/>
+            <a:r>
+              <a:rPr dirty="0" smtClean="0"/>
               <a:t>R</a:t>
             </a:r>
             <a:r>
-              <a:rPr spc="-40" dirty="0"/>
+              <a:rPr spc="-40" dirty="0" smtClean="0"/>
               <a:t>E</a:t>
             </a:r>
             <a:r>
-              <a:rPr spc="15" dirty="0"/>
+              <a:rPr spc="15" dirty="0" smtClean="0"/>
               <a:t>S</a:t>
             </a:r>
             <a:r>
-              <a:rPr spc="-30" dirty="0"/>
+              <a:rPr spc="-30" dirty="0" smtClean="0"/>
               <a:t>U</a:t>
             </a:r>
             <a:r>
-              <a:rPr spc="-405" dirty="0"/>
+              <a:rPr spc="-405" dirty="0" smtClean="0"/>
               <a:t>L</a:t>
             </a:r>
             <a:r>
-              <a:rPr dirty="0"/>
+              <a:rPr dirty="0" smtClean="0"/>
               <a:t>TS</a:t>
             </a:r>
+            <a:r>
+              <a:rPr lang="en-IN" dirty="0" smtClean="0"/>
+              <a:t/>
+            </a:r>
+            <a:br>
+              <a:rPr lang="en-IN" dirty="0" smtClean="0"/>
+            </a:br>
+            <a:r>
+              <a:rPr lang="en-IN" dirty="0"/>
+              <a:t/>
+            </a:r>
+            <a:br>
+              <a:rPr lang="en-IN" dirty="0"/>
+            </a:br>
+            <a:r>
+              <a:rPr lang="en-IN" sz="1600" dirty="0" err="1"/>
+              <a:t>DeepComposer</a:t>
+            </a:r>
+            <a:r>
+              <a:rPr lang="en-IN" sz="1600" dirty="0"/>
+              <a:t> by AWS</a:t>
+            </a:r>
+            <a:r>
+              <a:rPr lang="en-IN" sz="1600" b="0" dirty="0"/>
+              <a:t>: Amazon Web Services (AWS) introduced </a:t>
+            </a:r>
+            <a:r>
+              <a:rPr lang="en-IN" sz="1600" b="0" dirty="0" err="1"/>
+              <a:t>DeepComposer</a:t>
+            </a:r>
+            <a:r>
+              <a:rPr lang="en-IN" sz="1600" b="0" dirty="0"/>
+              <a:t>, a keyboard with AI capabilities that generates accompanying music in various styles. It uses Generative Adversarial Networks (GANs) to compose music based on the user's input.</a:t>
+            </a:r>
+            <a:br>
+              <a:rPr lang="en-IN" sz="1600" b="0" dirty="0"/>
+            </a:br>
+            <a:r>
+              <a:rPr lang="en-IN" sz="1200" dirty="0"/>
+              <a:t>Magenta Project by Google</a:t>
+            </a:r>
+            <a:r>
+              <a:rPr lang="en-IN" sz="1200" b="0" dirty="0"/>
+              <a:t>: Google's Magenta project explores </a:t>
+            </a:r>
+            <a:r>
+              <a:rPr lang="en-IN" sz="1800" b="0" dirty="0"/>
+              <a:t>the possibilities of AI in the realm of art and music. It has produced impressive results in generating music, including compositions that mimic different styles and even collaborative compositions where AI interacts with human musicians.</a:t>
+            </a:r>
+            <a:br>
+              <a:rPr lang="en-IN" sz="1800" b="0" dirty="0"/>
+            </a:br>
+            <a:r>
+              <a:rPr lang="en-IN" sz="1800" dirty="0" err="1"/>
+              <a:t>OpenAI's</a:t>
+            </a:r>
+            <a:r>
+              <a:rPr lang="en-IN" sz="1800" dirty="0"/>
+              <a:t> </a:t>
+            </a:r>
+            <a:r>
+              <a:rPr lang="en-IN" sz="1800" dirty="0" err="1"/>
+              <a:t>MuseNet</a:t>
+            </a:r>
+            <a:r>
+              <a:rPr lang="en-IN" sz="1800" b="0" dirty="0"/>
+              <a:t>: </a:t>
+            </a:r>
+            <a:r>
+              <a:rPr lang="en-IN" sz="1800" b="0" dirty="0" err="1"/>
+              <a:t>MuseNet</a:t>
+            </a:r>
+            <a:r>
+              <a:rPr lang="en-IN" sz="1800" b="0" dirty="0"/>
+              <a:t> is an AI model developed by </a:t>
+            </a:r>
+            <a:r>
+              <a:rPr lang="en-IN" sz="1800" b="0" dirty="0" err="1"/>
+              <a:t>OpenAI</a:t>
+            </a:r>
+            <a:r>
+              <a:rPr lang="en-IN" sz="1800" b="0" dirty="0"/>
+              <a:t> capable of generating musical compositions in a variety of styles and genres. It has been trained on a vast dataset of MIDI files encompassing different musical traditions and eras.</a:t>
+            </a:r>
+            <a:br>
+              <a:rPr lang="en-IN" sz="1800" b="0" dirty="0"/>
+            </a:br>
+            <a:r>
+              <a:rPr lang="en-IN" sz="1800" dirty="0" err="1"/>
+              <a:t>Jukedeck</a:t>
+            </a:r>
+            <a:r>
+              <a:rPr lang="en-IN" sz="1800" b="0" dirty="0"/>
+              <a:t>: </a:t>
+            </a:r>
+            <a:r>
+              <a:rPr lang="en-IN" sz="1800" b="0" dirty="0" err="1"/>
+              <a:t>Jukedeck</a:t>
+            </a:r>
+            <a:r>
+              <a:rPr lang="en-IN" sz="1800" b="0" dirty="0"/>
+              <a:t> was one of the early pioneers in AI music composition. Their platform allowed users to generate royalty-free music tailored to their needs by specifying parameters like genre, mood, tempo, and instrumentation.</a:t>
+            </a:r>
+            <a:br>
+              <a:rPr lang="en-IN" sz="1800" b="0" dirty="0"/>
+            </a:br>
+            <a:endParaRPr sz="1800" dirty="0"/>
           </a:p>
         </p:txBody>
       </p:sp>
@@ -8576,8 +8675,8 @@
         </p:nvSpPr>
         <p:spPr>
           <a:xfrm>
-            <a:off x="739775" y="291147"/>
-            <a:ext cx="3303904" cy="758190"/>
+            <a:off x="304800" y="381000"/>
+            <a:ext cx="10715625" cy="3765774"/>
           </a:xfrm>
           <a:prstGeom prst="rect">
             <a:avLst/>
@@ -8598,62 +8697,149 @@
               </a:spcBef>
             </a:pPr>
             <a:r>
-              <a:rPr sz="4800" b="1" spc="15" dirty="0">
+              <a:rPr sz="1600" b="1" spc="15" dirty="0" smtClean="0">
                 <a:latin typeface="Trebuchet MS"/>
                 <a:cs typeface="Trebuchet MS"/>
               </a:rPr>
               <a:t>M</a:t>
             </a:r>
             <a:r>
-              <a:rPr sz="4800" b="1" dirty="0">
+              <a:rPr sz="1600" b="1" dirty="0" smtClean="0">
                 <a:latin typeface="Trebuchet MS"/>
                 <a:cs typeface="Trebuchet MS"/>
               </a:rPr>
               <a:t>O</a:t>
             </a:r>
             <a:r>
-              <a:rPr sz="4800" b="1" spc="-15" dirty="0">
+              <a:rPr sz="1600" b="1" spc="-15" dirty="0" smtClean="0">
                 <a:latin typeface="Trebuchet MS"/>
                 <a:cs typeface="Trebuchet MS"/>
               </a:rPr>
               <a:t>D</a:t>
             </a:r>
             <a:r>
-              <a:rPr sz="4800" b="1" spc="-35" dirty="0">
+              <a:rPr sz="1600" b="1" spc="-35" dirty="0" smtClean="0">
                 <a:latin typeface="Trebuchet MS"/>
                 <a:cs typeface="Trebuchet MS"/>
               </a:rPr>
               <a:t>E</a:t>
             </a:r>
             <a:r>
-              <a:rPr sz="4800" b="1" spc="-30" dirty="0">
+              <a:rPr sz="1600" b="1" spc="-30" dirty="0" smtClean="0">
                 <a:latin typeface="Trebuchet MS"/>
                 <a:cs typeface="Trebuchet MS"/>
               </a:rPr>
               <a:t>LL</a:t>
             </a:r>
             <a:r>
-              <a:rPr sz="4800" b="1" spc="-5" dirty="0">
+              <a:rPr sz="1600" b="1" spc="-5" dirty="0" smtClean="0">
                 <a:latin typeface="Trebuchet MS"/>
                 <a:cs typeface="Trebuchet MS"/>
               </a:rPr>
               <a:t>I</a:t>
             </a:r>
             <a:r>
-              <a:rPr sz="4800" b="1" spc="30" dirty="0">
+              <a:rPr sz="1600" b="1" spc="30" dirty="0" smtClean="0">
                 <a:latin typeface="Trebuchet MS"/>
                 <a:cs typeface="Trebuchet MS"/>
               </a:rPr>
               <a:t>N</a:t>
             </a:r>
             <a:r>
-              <a:rPr sz="4800" b="1" spc="5" dirty="0">
+              <a:rPr sz="1600" b="1" spc="5" dirty="0" smtClean="0">
                 <a:latin typeface="Trebuchet MS"/>
                 <a:cs typeface="Trebuchet MS"/>
               </a:rPr>
               <a:t>G</a:t>
             </a:r>
-            <a:endParaRPr sz="4800">
+            <a:endParaRPr lang="en-IN" sz="1600" b="1" spc="5" dirty="0" smtClean="0">
+              <a:latin typeface="Trebuchet MS"/>
+              <a:cs typeface="Trebuchet MS"/>
+            </a:endParaRPr>
+          </a:p>
+          <a:p>
+            <a:r>
+              <a:rPr lang="en-IN" sz="1600" b="1" dirty="0"/>
+              <a:t>Rule-based systems</a:t>
+            </a:r>
+            <a:r>
+              <a:rPr lang="en-IN" sz="1600" dirty="0"/>
+              <a:t>: These systems rely on predefined rules and algorithms to generate music. They often mimic the compositional techniques of human composers by following specific musical rules regarding harmony, melody, rhythm, etc.</a:t>
+            </a:r>
+          </a:p>
+          <a:p>
+            <a:r>
+              <a:rPr lang="en-IN" sz="1600" b="1" dirty="0"/>
+              <a:t>Machine Learning (ML) algorithms</a:t>
+            </a:r>
+            <a:r>
+              <a:rPr lang="en-IN" sz="1600" dirty="0"/>
+              <a:t>: ML techniques, particularly deep learning, have shown promising results in generating music. Recurrent Neural Networks (RNNs) and variants like Long Short-Term Memory (LSTM) networks are popular choices for </a:t>
+            </a:r>
+            <a:r>
+              <a:rPr lang="en-IN" sz="1600" dirty="0" err="1"/>
+              <a:t>modeling</a:t>
+            </a:r>
+            <a:r>
+              <a:rPr lang="en-IN" sz="1600" dirty="0"/>
+              <a:t> temporal dependencies in music.</a:t>
+            </a:r>
+          </a:p>
+          <a:p>
+            <a:r>
+              <a:rPr lang="en-IN" sz="1600" b="1" dirty="0"/>
+              <a:t>Generative Adversarial Networks (GANs)</a:t>
+            </a:r>
+            <a:r>
+              <a:rPr lang="en-IN" sz="1600" dirty="0"/>
+              <a:t>: GANs consist of two neural networks, a generator, and a discriminator, trained in opposition to generate realistic outputs. In the context of music, the generator creates music samples, while the discriminator evaluates them for authenticity.</a:t>
+            </a:r>
+          </a:p>
+          <a:p>
+            <a:r>
+              <a:rPr lang="en-IN" sz="1600" b="1" dirty="0" err="1"/>
+              <a:t>Variational</a:t>
+            </a:r>
+            <a:r>
+              <a:rPr lang="en-IN" sz="1600" b="1" dirty="0"/>
+              <a:t> </a:t>
+            </a:r>
+            <a:r>
+              <a:rPr lang="en-IN" sz="1600" b="1" dirty="0" err="1"/>
+              <a:t>Autoencoders</a:t>
+            </a:r>
+            <a:r>
+              <a:rPr lang="en-IN" sz="1600" b="1" dirty="0"/>
+              <a:t> (VAEs)</a:t>
+            </a:r>
+            <a:r>
+              <a:rPr lang="en-IN" sz="1600" dirty="0"/>
+              <a:t>: VAEs are probabilistic models that learn the latent space of music and can generate new compositions by sampling from this space. They are effective in capturing the underlying structure of music and generating diverse outputs.</a:t>
+            </a:r>
+          </a:p>
+          <a:p>
+            <a:r>
+              <a:rPr lang="en-IN" sz="1600" b="1" dirty="0"/>
+              <a:t>Hybrid Approaches</a:t>
+            </a:r>
+            <a:r>
+              <a:rPr lang="en-IN" sz="1600" dirty="0"/>
+              <a:t>: Some systems combine multiple techniques, such as rule-based systems with ML models or GANs with reinforcement learning, to benefit from the strengths of each approach.</a:t>
+            </a:r>
+          </a:p>
+          <a:p>
+            <a:endParaRPr lang="en-IN" sz="1600" dirty="0"/>
+          </a:p>
+          <a:p>
+            <a:pPr marL="12700">
+              <a:lnSpc>
+                <a:spcPct val="100000"/>
+              </a:lnSpc>
+              <a:spcBef>
+                <a:spcPts val="105"/>
+              </a:spcBef>
+            </a:pPr>
+            <a:endParaRPr sz="300" dirty="0">
               <a:latin typeface="Trebuchet MS"/>
               <a:cs typeface="Trebuchet MS"/>
             </a:endParaRPr>
